--- a/Presentaciónbatidosverdes.pptx
+++ b/Presentaciónbatidosverdes.pptx
@@ -291,7 +291,7 @@
           <a:p>
             <a:fld id="{C51E5D46-9E70-437B-9D10-18E7EFF87BE8}" type="datetimeFigureOut">
               <a:rPr lang="es-CL" smtClean="0"/>
-              <a:t>25-01-2019</a:t>
+              <a:t>26-01-2019</a:t>
             </a:fld>
             <a:endParaRPr lang="es-CL"/>
           </a:p>
@@ -461,7 +461,7 @@
           <a:p>
             <a:fld id="{C51E5D46-9E70-437B-9D10-18E7EFF87BE8}" type="datetimeFigureOut">
               <a:rPr lang="es-CL" smtClean="0"/>
-              <a:t>25-01-2019</a:t>
+              <a:t>26-01-2019</a:t>
             </a:fld>
             <a:endParaRPr lang="es-CL"/>
           </a:p>
@@ -641,7 +641,7 @@
           <a:p>
             <a:fld id="{C51E5D46-9E70-437B-9D10-18E7EFF87BE8}" type="datetimeFigureOut">
               <a:rPr lang="es-CL" smtClean="0"/>
-              <a:t>25-01-2019</a:t>
+              <a:t>26-01-2019</a:t>
             </a:fld>
             <a:endParaRPr lang="es-CL"/>
           </a:p>
@@ -811,7 +811,7 @@
           <a:p>
             <a:fld id="{C51E5D46-9E70-437B-9D10-18E7EFF87BE8}" type="datetimeFigureOut">
               <a:rPr lang="es-CL" smtClean="0"/>
-              <a:t>25-01-2019</a:t>
+              <a:t>26-01-2019</a:t>
             </a:fld>
             <a:endParaRPr lang="es-CL"/>
           </a:p>
@@ -1057,7 +1057,7 @@
           <a:p>
             <a:fld id="{C51E5D46-9E70-437B-9D10-18E7EFF87BE8}" type="datetimeFigureOut">
               <a:rPr lang="es-CL" smtClean="0"/>
-              <a:t>25-01-2019</a:t>
+              <a:t>26-01-2019</a:t>
             </a:fld>
             <a:endParaRPr lang="es-CL"/>
           </a:p>
@@ -1345,7 +1345,7 @@
           <a:p>
             <a:fld id="{C51E5D46-9E70-437B-9D10-18E7EFF87BE8}" type="datetimeFigureOut">
               <a:rPr lang="es-CL" smtClean="0"/>
-              <a:t>25-01-2019</a:t>
+              <a:t>26-01-2019</a:t>
             </a:fld>
             <a:endParaRPr lang="es-CL"/>
           </a:p>
@@ -1767,7 +1767,7 @@
           <a:p>
             <a:fld id="{C51E5D46-9E70-437B-9D10-18E7EFF87BE8}" type="datetimeFigureOut">
               <a:rPr lang="es-CL" smtClean="0"/>
-              <a:t>25-01-2019</a:t>
+              <a:t>26-01-2019</a:t>
             </a:fld>
             <a:endParaRPr lang="es-CL"/>
           </a:p>
@@ -1885,7 +1885,7 @@
           <a:p>
             <a:fld id="{C51E5D46-9E70-437B-9D10-18E7EFF87BE8}" type="datetimeFigureOut">
               <a:rPr lang="es-CL" smtClean="0"/>
-              <a:t>25-01-2019</a:t>
+              <a:t>26-01-2019</a:t>
             </a:fld>
             <a:endParaRPr lang="es-CL"/>
           </a:p>
@@ -1980,7 +1980,7 @@
           <a:p>
             <a:fld id="{C51E5D46-9E70-437B-9D10-18E7EFF87BE8}" type="datetimeFigureOut">
               <a:rPr lang="es-CL" smtClean="0"/>
-              <a:t>25-01-2019</a:t>
+              <a:t>26-01-2019</a:t>
             </a:fld>
             <a:endParaRPr lang="es-CL"/>
           </a:p>
@@ -2257,7 +2257,7 @@
           <a:p>
             <a:fld id="{C51E5D46-9E70-437B-9D10-18E7EFF87BE8}" type="datetimeFigureOut">
               <a:rPr lang="es-CL" smtClean="0"/>
-              <a:t>25-01-2019</a:t>
+              <a:t>26-01-2019</a:t>
             </a:fld>
             <a:endParaRPr lang="es-CL"/>
           </a:p>
@@ -2510,7 +2510,7 @@
           <a:p>
             <a:fld id="{C51E5D46-9E70-437B-9D10-18E7EFF87BE8}" type="datetimeFigureOut">
               <a:rPr lang="es-CL" smtClean="0"/>
-              <a:t>25-01-2019</a:t>
+              <a:t>26-01-2019</a:t>
             </a:fld>
             <a:endParaRPr lang="es-CL"/>
           </a:p>
@@ -2723,7 +2723,7 @@
           <a:p>
             <a:fld id="{C51E5D46-9E70-437B-9D10-18E7EFF87BE8}" type="datetimeFigureOut">
               <a:rPr lang="es-CL" smtClean="0"/>
-              <a:t>25-01-2019</a:t>
+              <a:t>26-01-2019</a:t>
             </a:fld>
             <a:endParaRPr lang="es-CL"/>
           </a:p>
@@ -3452,6 +3452,13 @@
   <p:clrMapOvr>
     <a:masterClrMapping/>
   </p:clrMapOvr>
+  <p:timing>
+    <p:tnLst>
+      <p:par>
+        <p:cTn id="1" dur="indefinite" restart="never" nodeType="tmRoot"/>
+      </p:par>
+    </p:tnLst>
+  </p:timing>
 </p:sld>
 </file>
 
@@ -3484,7 +3491,7 @@
         </p:nvSpPr>
         <p:spPr>
           <a:xfrm>
-            <a:off x="-35202" y="703962"/>
+            <a:off x="0" y="174754"/>
             <a:ext cx="4978896" cy="1468759"/>
           </a:xfrm>
         </p:spPr>
@@ -3533,8 +3540,8 @@
         </p:blipFill>
         <p:spPr bwMode="auto">
           <a:xfrm>
-            <a:off x="4860032" y="188640"/>
-            <a:ext cx="4032448" cy="3261023"/>
+            <a:off x="5184576" y="188640"/>
+            <a:ext cx="3367359" cy="2723168"/>
           </a:xfrm>
           <a:prstGeom prst="rect">
             <a:avLst/>
@@ -3805,6 +3812,134 @@
           </a:extLst>
         </p:spPr>
       </p:pic>
+      <p:pic>
+        <p:nvPicPr>
+          <p:cNvPr id="1026" name="Picture 2"/>
+          <p:cNvPicPr>
+            <a:picLocks noChangeAspect="1" noChangeArrowheads="1"/>
+          </p:cNvPicPr>
+          <p:nvPr/>
+        </p:nvPicPr>
+        <p:blipFill>
+          <a:blip r:embed="rId4">
+            <a:extLst>
+              <a:ext uri="{28A0092B-C50C-407E-A947-70E740481C1C}">
+                <a14:useLocalDpi xmlns:a14="http://schemas.microsoft.com/office/drawing/2010/main" val="0"/>
+              </a:ext>
+            </a:extLst>
+          </a:blip>
+          <a:srcRect/>
+          <a:stretch>
+            <a:fillRect/>
+          </a:stretch>
+        </p:blipFill>
+        <p:spPr bwMode="auto">
+          <a:xfrm>
+            <a:off x="222710" y="1380902"/>
+            <a:ext cx="4716016" cy="1109377"/>
+          </a:xfrm>
+          <a:prstGeom prst="rect">
+            <a:avLst/>
+          </a:prstGeom>
+          <a:noFill/>
+          <a:ln>
+            <a:noFill/>
+          </a:ln>
+          <a:effectLst/>
+          <a:extLst>
+            <a:ext uri="{909E8E84-426E-40DD-AFC4-6F175D3DCCD1}">
+              <a14:hiddenFill xmlns:a14="http://schemas.microsoft.com/office/drawing/2010/main">
+                <a:solidFill>
+                  <a:schemeClr val="accent1"/>
+                </a:solidFill>
+              </a14:hiddenFill>
+            </a:ext>
+            <a:ext uri="{91240B29-F687-4F45-9708-019B960494DF}">
+              <a14:hiddenLine xmlns:a14="http://schemas.microsoft.com/office/drawing/2010/main" w="9525">
+                <a:solidFill>
+                  <a:schemeClr val="tx1"/>
+                </a:solidFill>
+                <a:miter lim="800000"/>
+                <a:headEnd/>
+                <a:tailEnd/>
+              </a14:hiddenLine>
+            </a:ext>
+            <a:ext uri="{AF507438-7753-43E0-B8FC-AC1667EBCBE1}">
+              <a14:hiddenEffects xmlns:a14="http://schemas.microsoft.com/office/drawing/2010/main">
+                <a:effectLst>
+                  <a:outerShdw dist="35921" dir="2700000" algn="ctr" rotWithShape="0">
+                    <a:schemeClr val="bg2"/>
+                  </a:outerShdw>
+                </a:effectLst>
+              </a14:hiddenEffects>
+            </a:ext>
+          </a:extLst>
+        </p:spPr>
+      </p:pic>
+      <p:pic>
+        <p:nvPicPr>
+          <p:cNvPr id="1027" name="Picture 3"/>
+          <p:cNvPicPr>
+            <a:picLocks noChangeAspect="1" noChangeArrowheads="1"/>
+          </p:cNvPicPr>
+          <p:nvPr/>
+        </p:nvPicPr>
+        <p:blipFill>
+          <a:blip r:embed="rId5">
+            <a:extLst>
+              <a:ext uri="{28A0092B-C50C-407E-A947-70E740481C1C}">
+                <a14:useLocalDpi xmlns:a14="http://schemas.microsoft.com/office/drawing/2010/main" val="0"/>
+              </a:ext>
+            </a:extLst>
+          </a:blip>
+          <a:srcRect/>
+          <a:stretch>
+            <a:fillRect/>
+          </a:stretch>
+        </p:blipFill>
+        <p:spPr bwMode="auto">
+          <a:xfrm>
+            <a:off x="-23192" y="3144075"/>
+            <a:ext cx="9167192" cy="361950"/>
+          </a:xfrm>
+          <a:prstGeom prst="rect">
+            <a:avLst/>
+          </a:prstGeom>
+          <a:noFill/>
+          <a:ln>
+            <a:noFill/>
+          </a:ln>
+          <a:effectLst/>
+          <a:extLst>
+            <a:ext uri="{909E8E84-426E-40DD-AFC4-6F175D3DCCD1}">
+              <a14:hiddenFill xmlns:a14="http://schemas.microsoft.com/office/drawing/2010/main">
+                <a:solidFill>
+                  <a:schemeClr val="accent1"/>
+                </a:solidFill>
+              </a14:hiddenFill>
+            </a:ext>
+            <a:ext uri="{91240B29-F687-4F45-9708-019B960494DF}">
+              <a14:hiddenLine xmlns:a14="http://schemas.microsoft.com/office/drawing/2010/main" w="9525">
+                <a:solidFill>
+                  <a:schemeClr val="tx1"/>
+                </a:solidFill>
+                <a:miter lim="800000"/>
+                <a:headEnd/>
+                <a:tailEnd/>
+              </a14:hiddenLine>
+            </a:ext>
+            <a:ext uri="{AF507438-7753-43E0-B8FC-AC1667EBCBE1}">
+              <a14:hiddenEffects xmlns:a14="http://schemas.microsoft.com/office/drawing/2010/main">
+                <a:effectLst>
+                  <a:outerShdw dist="35921" dir="2700000" algn="ctr" rotWithShape="0">
+                    <a:schemeClr val="bg2"/>
+                  </a:outerShdw>
+                </a:effectLst>
+              </a14:hiddenEffects>
+            </a:ext>
+          </a:extLst>
+        </p:spPr>
+      </p:pic>
     </p:spTree>
     <p:extLst>
       <p:ext uri="{BB962C8B-B14F-4D97-AF65-F5344CB8AC3E}">
@@ -3815,6 +3950,13 @@
   <p:clrMapOvr>
     <a:masterClrMapping/>
   </p:clrMapOvr>
+  <p:timing>
+    <p:tnLst>
+      <p:par>
+        <p:cTn id="1" dur="indefinite" restart="never" nodeType="tmRoot"/>
+      </p:par>
+    </p:tnLst>
+  </p:timing>
 </p:sld>
 </file>
 
@@ -3937,6 +4079,13 @@
   <p:clrMapOvr>
     <a:masterClrMapping/>
   </p:clrMapOvr>
+  <p:timing>
+    <p:tnLst>
+      <p:par>
+        <p:cTn id="1" dur="indefinite" restart="never" nodeType="tmRoot"/>
+      </p:par>
+    </p:tnLst>
+  </p:timing>
 </p:sld>
 </file>
 
